--- a/Spring Framework.pptx
+++ b/Spring Framework.pptx
@@ -5,10 +5,10 @@
     <p:sldMasterId id="2147483660" r:id="rId1"/>
   </p:sldMasterIdLst>
   <p:notesMasterIdLst>
-    <p:notesMasterId r:id="rId9"/>
+    <p:notesMasterId r:id="rId10"/>
   </p:notesMasterIdLst>
   <p:handoutMasterIdLst>
-    <p:handoutMasterId r:id="rId10"/>
+    <p:handoutMasterId r:id="rId11"/>
   </p:handoutMasterIdLst>
   <p:sldIdLst>
     <p:sldId id="256" r:id="rId2"/>
@@ -18,6 +18,7 @@
     <p:sldId id="281" r:id="rId6"/>
     <p:sldId id="284" r:id="rId7"/>
     <p:sldId id="285" r:id="rId8"/>
+    <p:sldId id="286" r:id="rId9"/>
   </p:sldIdLst>
   <p:sldSz cx="12192000" cy="6858000"/>
   <p:notesSz cx="6858000" cy="9144000"/>
@@ -132,6 +133,7 @@
             <p14:sldId id="281"/>
             <p14:sldId id="284"/>
             <p14:sldId id="285"/>
+            <p14:sldId id="286"/>
           </p14:sldIdLst>
         </p14:section>
         <p14:section name="Learn More" id="{2CC34DB2-6590-42C0-AD4B-A04C6060184E}">
@@ -2503,15 +2505,7 @@
           <a:p>
             <a:r>
               <a:rPr lang="en-US" dirty="0"/>
-              <a:t>The IoC container is responsible to instantiate, configure and assemble the objects. The IoC container gets </a:t>
-            </a:r>
-            <a:r>
-              <a:rPr lang="en-US" dirty="0" err="1"/>
-              <a:t>informations</a:t>
-            </a:r>
-            <a:r>
-              <a:rPr lang="en-US" dirty="0"/>
-              <a:t> from the XML file and works accordingly.</a:t>
+              <a:t>The IoC container is responsible to instantiate, configure and assemble the objects. The IoC container gets information from the XML file and works accordingly.</a:t>
             </a:r>
             <a:endParaRPr lang="en-IN" dirty="0"/>
           </a:p>
@@ -2581,12 +2575,15 @@
         </p:nvSpPr>
         <p:spPr>
           <a:xfrm>
-            <a:off x="541610" y="1524708"/>
-            <a:ext cx="4321704" cy="3871518"/>
+            <a:off x="541610" y="1298450"/>
+            <a:ext cx="2051529" cy="3871518"/>
           </a:xfrm>
           <a:prstGeom prst="rect">
             <a:avLst/>
           </a:prstGeom>
+          <a:solidFill>
+            <a:srgbClr val="FFFF00"/>
+          </a:solidFill>
         </p:spPr>
         <p:txBody>
           <a:bodyPr vert="horz" lIns="91440" tIns="45720" rIns="91440" bIns="45720" rtlCol="0">
@@ -2795,7 +2792,7 @@
               <a:defRPr/>
             </a:pPr>
             <a:r>
-              <a:rPr lang="en-US" dirty="0">
+              <a:rPr lang="en-US" b="1" dirty="0">
                 <a:latin typeface="Segoe UI" panose="020B0502040204020203" pitchFamily="34" charset="0"/>
                 <a:cs typeface="Segoe UI" panose="020B0502040204020203" pitchFamily="34" charset="0"/>
               </a:rPr>
@@ -2811,7 +2808,7 @@
               <a:defRPr/>
             </a:pPr>
             <a:r>
-              <a:rPr lang="en-US" dirty="0">
+              <a:rPr lang="en-US" b="1" dirty="0">
                 <a:latin typeface="Segoe UI" panose="020B0502040204020203" pitchFamily="34" charset="0"/>
                 <a:cs typeface="Segoe UI" panose="020B0502040204020203" pitchFamily="34" charset="0"/>
               </a:rPr>
@@ -2827,7 +2824,7 @@
               <a:defRPr/>
             </a:pPr>
             <a:r>
-              <a:rPr lang="en-US" dirty="0">
+              <a:rPr lang="en-US" b="1" dirty="0">
                 <a:latin typeface="Segoe UI" panose="020B0502040204020203" pitchFamily="34" charset="0"/>
                 <a:cs typeface="Segoe UI" panose="020B0502040204020203" pitchFamily="34" charset="0"/>
               </a:rPr>
@@ -2843,7 +2840,7 @@
               <a:defRPr/>
             </a:pPr>
             <a:r>
-              <a:rPr lang="en-US" dirty="0">
+              <a:rPr lang="en-US" b="1" dirty="0">
                 <a:latin typeface="Segoe UI" panose="020B0502040204020203" pitchFamily="34" charset="0"/>
                 <a:cs typeface="Segoe UI" panose="020B0502040204020203" pitchFamily="34" charset="0"/>
               </a:rPr>
@@ -3188,7 +3185,7 @@
                 <a:latin typeface="Segoe UI Light" panose="020B0502040204020203" pitchFamily="34" charset="0"/>
                 <a:cs typeface="Segoe UI Light" panose="020B0502040204020203" pitchFamily="34" charset="0"/>
               </a:rPr>
-              <a:t>IOC Types</a:t>
+              <a:t>Ways to Configure IOC</a:t>
             </a:r>
           </a:p>
         </p:txBody>
@@ -3211,9 +3208,15 @@
         </p:nvSpPr>
         <p:spPr>
           <a:xfrm>
-            <a:off x="670452" y="5611731"/>
-            <a:ext cx="9379070" cy="966621"/>
+            <a:off x="293287" y="5412173"/>
+            <a:ext cx="11531769" cy="1166180"/>
           </a:xfrm>
+          <a:solidFill>
+            <a:schemeClr val="accent1">
+              <a:lumMod val="60000"/>
+              <a:lumOff val="40000"/>
+            </a:schemeClr>
+          </a:solidFill>
         </p:spPr>
         <p:txBody>
           <a:bodyPr/>
@@ -3242,12 +3245,18 @@
         </p:nvSpPr>
         <p:spPr>
           <a:xfrm>
-            <a:off x="758964" y="1375644"/>
-            <a:ext cx="4640682" cy="702045"/>
+            <a:off x="382774" y="1375644"/>
+            <a:ext cx="5016872" cy="702045"/>
           </a:xfrm>
           <a:prstGeom prst="rect">
             <a:avLst/>
           </a:prstGeom>
+          <a:solidFill>
+            <a:schemeClr val="accent6">
+              <a:lumMod val="60000"/>
+              <a:lumOff val="40000"/>
+            </a:schemeClr>
+          </a:solidFill>
         </p:spPr>
         <p:txBody>
           <a:bodyPr vert="horz" lIns="91440" tIns="45720" rIns="91440" bIns="45720" rtlCol="0">
@@ -3515,6 +3524,12 @@
           <a:prstGeom prst="rect">
             <a:avLst/>
           </a:prstGeom>
+          <a:solidFill>
+            <a:schemeClr val="accent4">
+              <a:lumMod val="60000"/>
+              <a:lumOff val="40000"/>
+            </a:schemeClr>
+          </a:solidFill>
         </p:spPr>
         <p:txBody>
           <a:bodyPr vert="horz" lIns="91440" tIns="45720" rIns="91440" bIns="45720" rtlCol="0">
@@ -3861,12 +3876,22 @@
         </p:blipFill>
         <p:spPr>
           <a:xfrm>
-            <a:off x="5960661" y="1283365"/>
-            <a:ext cx="5731119" cy="3164348"/>
+            <a:off x="5779363" y="1283365"/>
+            <a:ext cx="5912417" cy="3164348"/>
           </a:xfrm>
           <a:prstGeom prst="rect">
             <a:avLst/>
           </a:prstGeom>
+          <a:solidFill>
+            <a:srgbClr val="D24726"/>
+          </a:solidFill>
+          <a:ln>
+            <a:solidFill>
+              <a:schemeClr val="accent2">
+                <a:lumMod val="75000"/>
+              </a:schemeClr>
+            </a:solidFill>
+          </a:ln>
         </p:spPr>
       </p:pic>
       <p:pic>
@@ -3891,12 +3916,17 @@
         </p:blipFill>
         <p:spPr>
           <a:xfrm>
-            <a:off x="293287" y="4447713"/>
-            <a:ext cx="8042845" cy="713056"/>
+            <a:off x="293287" y="4536493"/>
+            <a:ext cx="11398493" cy="713056"/>
           </a:xfrm>
           <a:prstGeom prst="rect">
             <a:avLst/>
           </a:prstGeom>
+          <a:ln>
+            <a:solidFill>
+              <a:srgbClr val="DD462F"/>
+            </a:solidFill>
+          </a:ln>
         </p:spPr>
       </p:pic>
     </p:spTree>
@@ -4003,6 +4033,11 @@
           <a:prstGeom prst="rect">
             <a:avLst/>
           </a:prstGeom>
+          <a:ln>
+            <a:solidFill>
+              <a:srgbClr val="DD462F"/>
+            </a:solidFill>
+          </a:ln>
         </p:spPr>
       </p:pic>
       <p:pic>
@@ -4028,11 +4063,16 @@
         <p:spPr>
           <a:xfrm>
             <a:off x="298187" y="1401608"/>
-            <a:ext cx="8601075" cy="1866900"/>
+            <a:ext cx="11145130" cy="1728977"/>
           </a:xfrm>
           <a:prstGeom prst="rect">
             <a:avLst/>
           </a:prstGeom>
+          <a:solidFill>
+            <a:schemeClr val="accent2">
+              <a:lumMod val="75000"/>
+            </a:schemeClr>
+          </a:solidFill>
           <a:ln w="127000" cap="rnd">
             <a:solidFill>
               <a:srgbClr val="FFFFFF"/>
@@ -4081,7 +4121,7 @@
         </p:blipFill>
         <p:spPr>
           <a:xfrm>
-            <a:off x="8666918" y="3364638"/>
+            <a:off x="8666918" y="3581980"/>
             <a:ext cx="3226895" cy="2521258"/>
           </a:xfrm>
           <a:prstGeom prst="rect">
@@ -4092,9 +4132,9 @@
               <a:shade val="85000"/>
             </a:srgbClr>
           </a:solidFill>
-          <a:ln w="190500" cap="rnd">
+          <a:ln w="12700" cap="rnd">
             <a:solidFill>
-              <a:srgbClr val="FFFFFF"/>
+              <a:srgbClr val="DD462F"/>
             </a:solidFill>
           </a:ln>
           <a:effectLst>
@@ -4269,7 +4309,7 @@
                 <a:latin typeface="Segoe UI" panose="020B0502040204020203" pitchFamily="34" charset="0"/>
                 <a:cs typeface="Segoe UI" panose="020B0502040204020203" pitchFamily="34" charset="0"/>
               </a:rPr>
-              <a:t>Add The following in spring.xml file</a:t>
+              <a:t>Add the following in spring.xml file</a:t>
             </a:r>
           </a:p>
         </p:txBody>
@@ -4304,6 +4344,307 @@
           </a:prstGeom>
         </p:spPr>
       </p:pic>
+      <p:sp>
+        <p:nvSpPr>
+          <p:cNvPr id="6" name="Content Placeholder 17">
+            <a:extLst>
+              <a:ext uri="{FF2B5EF4-FFF2-40B4-BE49-F238E27FC236}">
+                <a16:creationId xmlns:a16="http://schemas.microsoft.com/office/drawing/2014/main" id="{A406FBAB-8F11-4491-9827-4BE184EEE878}"/>
+              </a:ext>
+            </a:extLst>
+          </p:cNvPr>
+          <p:cNvSpPr txBox="1">
+            <a:spLocks/>
+          </p:cNvSpPr>
+          <p:nvPr/>
+        </p:nvSpPr>
+        <p:spPr>
+          <a:xfrm>
+            <a:off x="607277" y="4765996"/>
+            <a:ext cx="11146758" cy="1750214"/>
+          </a:xfrm>
+          <a:prstGeom prst="rect">
+            <a:avLst/>
+          </a:prstGeom>
+          <a:solidFill>
+            <a:schemeClr val="accent4">
+              <a:lumMod val="60000"/>
+              <a:lumOff val="40000"/>
+            </a:schemeClr>
+          </a:solidFill>
+        </p:spPr>
+        <p:txBody>
+          <a:bodyPr vert="horz" lIns="91440" tIns="45720" rIns="91440" bIns="45720" rtlCol="0">
+            <a:noAutofit/>
+          </a:bodyPr>
+          <a:lstStyle>
+            <a:lvl1pPr marL="228600" indent="-228600" algn="l" defTabSz="914400" rtl="0" eaLnBrk="1" latinLnBrk="0" hangingPunct="1">
+              <a:lnSpc>
+                <a:spcPts val="1800"/>
+              </a:lnSpc>
+              <a:spcBef>
+                <a:spcPts val="1000"/>
+              </a:spcBef>
+              <a:spcAft>
+                <a:spcPts val="1000"/>
+              </a:spcAft>
+              <a:buFont typeface="Arial" panose="020B0604020202020204" pitchFamily="34" charset="0"/>
+              <a:buChar char="•"/>
+              <a:defRPr lang="en-US" sz="1200" kern="1200" smtClean="0">
+                <a:solidFill>
+                  <a:schemeClr val="tx1">
+                    <a:lumMod val="75000"/>
+                    <a:lumOff val="25000"/>
+                  </a:schemeClr>
+                </a:solidFill>
+                <a:latin typeface="+mn-lt"/>
+                <a:ea typeface="+mn-ea"/>
+                <a:cs typeface="+mn-cs"/>
+              </a:defRPr>
+            </a:lvl1pPr>
+            <a:lvl2pPr marL="685800" indent="-228600" algn="l" defTabSz="914400" rtl="0" eaLnBrk="1" latinLnBrk="0" hangingPunct="1">
+              <a:lnSpc>
+                <a:spcPts val="1800"/>
+              </a:lnSpc>
+              <a:spcBef>
+                <a:spcPts val="1000"/>
+              </a:spcBef>
+              <a:spcAft>
+                <a:spcPts val="1000"/>
+              </a:spcAft>
+              <a:buFont typeface="Arial" panose="020B0604020202020204" pitchFamily="34" charset="0"/>
+              <a:buChar char="•"/>
+              <a:defRPr lang="en-US" sz="1200" kern="1200" smtClean="0">
+                <a:solidFill>
+                  <a:schemeClr val="tx1">
+                    <a:lumMod val="75000"/>
+                    <a:lumOff val="25000"/>
+                  </a:schemeClr>
+                </a:solidFill>
+                <a:latin typeface="+mn-lt"/>
+                <a:ea typeface="+mn-ea"/>
+                <a:cs typeface="+mn-cs"/>
+              </a:defRPr>
+            </a:lvl2pPr>
+            <a:lvl3pPr marL="1143000" indent="-228600" algn="l" defTabSz="914400" rtl="0" eaLnBrk="1" latinLnBrk="0" hangingPunct="1">
+              <a:lnSpc>
+                <a:spcPts val="1800"/>
+              </a:lnSpc>
+              <a:spcBef>
+                <a:spcPts val="1000"/>
+              </a:spcBef>
+              <a:spcAft>
+                <a:spcPts val="1000"/>
+              </a:spcAft>
+              <a:buFont typeface="Arial" panose="020B0604020202020204" pitchFamily="34" charset="0"/>
+              <a:buChar char="•"/>
+              <a:defRPr lang="en-US" sz="1200" kern="1200" smtClean="0">
+                <a:solidFill>
+                  <a:schemeClr val="tx1">
+                    <a:lumMod val="75000"/>
+                    <a:lumOff val="25000"/>
+                  </a:schemeClr>
+                </a:solidFill>
+                <a:latin typeface="+mn-lt"/>
+                <a:ea typeface="+mn-ea"/>
+                <a:cs typeface="+mn-cs"/>
+              </a:defRPr>
+            </a:lvl3pPr>
+            <a:lvl4pPr marL="1600200" indent="-228600" algn="l" defTabSz="914400" rtl="0" eaLnBrk="1" latinLnBrk="0" hangingPunct="1">
+              <a:lnSpc>
+                <a:spcPts val="1800"/>
+              </a:lnSpc>
+              <a:spcBef>
+                <a:spcPts val="1000"/>
+              </a:spcBef>
+              <a:spcAft>
+                <a:spcPts val="1000"/>
+              </a:spcAft>
+              <a:buFont typeface="Arial" panose="020B0604020202020204" pitchFamily="34" charset="0"/>
+              <a:buChar char="•"/>
+              <a:defRPr lang="en-US" sz="1200" kern="1200" smtClean="0">
+                <a:solidFill>
+                  <a:schemeClr val="tx1">
+                    <a:lumMod val="75000"/>
+                    <a:lumOff val="25000"/>
+                  </a:schemeClr>
+                </a:solidFill>
+                <a:latin typeface="+mn-lt"/>
+                <a:ea typeface="+mn-ea"/>
+                <a:cs typeface="+mn-cs"/>
+              </a:defRPr>
+            </a:lvl4pPr>
+            <a:lvl5pPr marL="2057400" indent="-228600" algn="l" defTabSz="914400" rtl="0" eaLnBrk="1" latinLnBrk="0" hangingPunct="1">
+              <a:lnSpc>
+                <a:spcPts val="1800"/>
+              </a:lnSpc>
+              <a:spcBef>
+                <a:spcPts val="1000"/>
+              </a:spcBef>
+              <a:spcAft>
+                <a:spcPts val="1000"/>
+              </a:spcAft>
+              <a:buFont typeface="Arial" panose="020B0604020202020204" pitchFamily="34" charset="0"/>
+              <a:buChar char="•"/>
+              <a:defRPr lang="en-US" sz="1200" kern="1200">
+                <a:solidFill>
+                  <a:schemeClr val="tx1">
+                    <a:lumMod val="75000"/>
+                    <a:lumOff val="25000"/>
+                  </a:schemeClr>
+                </a:solidFill>
+                <a:latin typeface="+mn-lt"/>
+                <a:ea typeface="+mn-ea"/>
+                <a:cs typeface="+mn-cs"/>
+              </a:defRPr>
+            </a:lvl5pPr>
+            <a:lvl6pPr marL="2514600" indent="-228600" algn="l" defTabSz="914400" rtl="0" eaLnBrk="1" latinLnBrk="0" hangingPunct="1">
+              <a:lnSpc>
+                <a:spcPct val="90000"/>
+              </a:lnSpc>
+              <a:spcBef>
+                <a:spcPct val="30000"/>
+              </a:spcBef>
+              <a:buFont typeface="Arial" panose="020B0604020202020204" pitchFamily="34" charset="0"/>
+              <a:buChar char="•"/>
+              <a:defRPr sz="1800" kern="1200">
+                <a:solidFill>
+                  <a:schemeClr val="tx1"/>
+                </a:solidFill>
+                <a:latin typeface="+mn-lt"/>
+                <a:ea typeface="+mn-ea"/>
+                <a:cs typeface="+mn-cs"/>
+              </a:defRPr>
+            </a:lvl6pPr>
+            <a:lvl7pPr marL="2971800" indent="-228600" algn="l" defTabSz="914400" rtl="0" eaLnBrk="1" latinLnBrk="0" hangingPunct="1">
+              <a:lnSpc>
+                <a:spcPct val="90000"/>
+              </a:lnSpc>
+              <a:spcBef>
+                <a:spcPct val="30000"/>
+              </a:spcBef>
+              <a:buFont typeface="Arial" panose="020B0604020202020204" pitchFamily="34" charset="0"/>
+              <a:buChar char="•"/>
+              <a:defRPr sz="1800" kern="1200">
+                <a:solidFill>
+                  <a:schemeClr val="tx1"/>
+                </a:solidFill>
+                <a:latin typeface="+mn-lt"/>
+                <a:ea typeface="+mn-ea"/>
+                <a:cs typeface="+mn-cs"/>
+              </a:defRPr>
+            </a:lvl7pPr>
+            <a:lvl8pPr marL="3429000" indent="-228600" algn="l" defTabSz="914400" rtl="0" eaLnBrk="1" latinLnBrk="0" hangingPunct="1">
+              <a:lnSpc>
+                <a:spcPct val="90000"/>
+              </a:lnSpc>
+              <a:spcBef>
+                <a:spcPct val="30000"/>
+              </a:spcBef>
+              <a:buFont typeface="Arial" panose="020B0604020202020204" pitchFamily="34" charset="0"/>
+              <a:buChar char="•"/>
+              <a:defRPr sz="1800" kern="1200">
+                <a:solidFill>
+                  <a:schemeClr val="tx1"/>
+                </a:solidFill>
+                <a:latin typeface="+mn-lt"/>
+                <a:ea typeface="+mn-ea"/>
+                <a:cs typeface="+mn-cs"/>
+              </a:defRPr>
+            </a:lvl8pPr>
+            <a:lvl9pPr marL="3886200" indent="-228600" algn="l" defTabSz="914400" rtl="0" eaLnBrk="1" latinLnBrk="0" hangingPunct="1">
+              <a:lnSpc>
+                <a:spcPct val="90000"/>
+              </a:lnSpc>
+              <a:spcBef>
+                <a:spcPct val="30000"/>
+              </a:spcBef>
+              <a:buFont typeface="Arial" panose="020B0604020202020204" pitchFamily="34" charset="0"/>
+              <a:buChar char="•"/>
+              <a:defRPr sz="1800" kern="1200">
+                <a:solidFill>
+                  <a:schemeClr val="tx1"/>
+                </a:solidFill>
+                <a:latin typeface="+mn-lt"/>
+                <a:ea typeface="+mn-ea"/>
+                <a:cs typeface="+mn-cs"/>
+              </a:defRPr>
+            </a:lvl9pPr>
+          </a:lstStyle>
+          <a:p>
+            <a:pPr marL="0" lvl="0" indent="0">
+              <a:spcAft>
+                <a:spcPts val="600"/>
+              </a:spcAft>
+              <a:buNone/>
+              <a:defRPr/>
+            </a:pPr>
+            <a:r>
+              <a:rPr lang="en-US" sz="1600" dirty="0">
+                <a:solidFill>
+                  <a:srgbClr val="333333"/>
+                </a:solidFill>
+                <a:latin typeface="inter-regular"/>
+              </a:rPr>
+              <a:t>Steps </a:t>
+            </a:r>
+            <a:r>
+              <a:rPr lang="en-US" sz="1600" dirty="0">
+                <a:solidFill>
+                  <a:srgbClr val="333333"/>
+                </a:solidFill>
+                <a:latin typeface="inter-regular"/>
+                <a:sym typeface="Wingdings" panose="05000000000000000000" pitchFamily="2" charset="2"/>
+              </a:rPr>
+              <a:t></a:t>
+            </a:r>
+            <a:endParaRPr lang="en-US" sz="1600" dirty="0">
+              <a:solidFill>
+                <a:srgbClr val="333333"/>
+              </a:solidFill>
+              <a:latin typeface="inter-regular"/>
+            </a:endParaRPr>
+          </a:p>
+          <a:p>
+            <a:pPr marL="914400" lvl="0" indent="-914400">
+              <a:spcAft>
+                <a:spcPts val="600"/>
+              </a:spcAft>
+              <a:buFont typeface="+mj-lt"/>
+              <a:buAutoNum type="arabicPeriod"/>
+              <a:defRPr/>
+            </a:pPr>
+            <a:r>
+              <a:rPr lang="en-US" sz="1600" dirty="0">
+                <a:solidFill>
+                  <a:srgbClr val="333333"/>
+                </a:solidFill>
+                <a:latin typeface="inter-regular"/>
+              </a:rPr>
+              <a:t>Use @Component for class to make it as a Bean</a:t>
+            </a:r>
+          </a:p>
+          <a:p>
+            <a:pPr marL="914400" lvl="0" indent="-914400">
+              <a:spcAft>
+                <a:spcPts val="600"/>
+              </a:spcAft>
+              <a:buFont typeface="+mj-lt"/>
+              <a:buAutoNum type="arabicPeriod"/>
+              <a:defRPr/>
+            </a:pPr>
+            <a:r>
+              <a:rPr lang="en-US" sz="1600" dirty="0">
+                <a:solidFill>
+                  <a:srgbClr val="333333"/>
+                </a:solidFill>
+                <a:latin typeface="inter-regular"/>
+              </a:rPr>
+              <a:t>Component-scan in spring.xml as it will scan the base package for @component </a:t>
+            </a:r>
+          </a:p>
+        </p:txBody>
+      </p:sp>
     </p:spTree>
     <p:extLst>
       <p:ext uri="{BB962C8B-B14F-4D97-AF65-F5344CB8AC3E}">
@@ -4471,7 +4812,7 @@
         </p:blipFill>
         <p:spPr>
           <a:xfrm>
-            <a:off x="9002458" y="1781865"/>
+            <a:off x="8860415" y="1630943"/>
             <a:ext cx="2495550" cy="3190875"/>
           </a:xfrm>
           <a:prstGeom prst="rect">
@@ -4796,7 +5137,7 @@
         </p:nvSpPr>
         <p:spPr>
           <a:xfrm>
-            <a:off x="8827467" y="1402275"/>
+            <a:off x="8827467" y="1269105"/>
             <a:ext cx="2730549" cy="353402"/>
           </a:xfrm>
           <a:prstGeom prst="rect">
@@ -5526,6 +5867,129 @@
     <p:extLst>
       <p:ext uri="{BB962C8B-B14F-4D97-AF65-F5344CB8AC3E}">
         <p14:creationId xmlns:p14="http://schemas.microsoft.com/office/powerpoint/2010/main" val="1454808741"/>
+      </p:ext>
+    </p:extLst>
+  </p:cSld>
+  <p:clrMapOvr>
+    <a:masterClrMapping/>
+  </p:clrMapOvr>
+  <mc:AlternateContent xmlns:mc="http://schemas.openxmlformats.org/markup-compatibility/2006" xmlns:p14="http://schemas.microsoft.com/office/powerpoint/2010/main">
+    <mc:Choice Requires="p14">
+      <p:transition p14:dur="10"/>
+    </mc:Choice>
+    <mc:Fallback xmlns="">
+      <p:transition/>
+    </mc:Fallback>
+  </mc:AlternateContent>
+</p:sld>
+</file>
+
+<file path=ppt/slides/slide8.xml><?xml version="1.0" encoding="utf-8"?>
+<p:sld xmlns:a="http://schemas.openxmlformats.org/drawingml/2006/main" xmlns:r="http://schemas.openxmlformats.org/officeDocument/2006/relationships" xmlns:p="http://schemas.openxmlformats.org/presentationml/2006/main">
+  <p:cSld>
+    <p:spTree>
+      <p:nvGrpSpPr>
+        <p:cNvPr id="1" name=""/>
+        <p:cNvGrpSpPr/>
+        <p:nvPr/>
+      </p:nvGrpSpPr>
+      <p:grpSpPr>
+        <a:xfrm>
+          <a:off x="0" y="0"/>
+          <a:ext cx="0" cy="0"/>
+          <a:chOff x="0" y="0"/>
+          <a:chExt cx="0" cy="0"/>
+        </a:xfrm>
+      </p:grpSpPr>
+      <p:sp>
+        <p:nvSpPr>
+          <p:cNvPr id="3" name="Title 2"/>
+          <p:cNvSpPr>
+            <a:spLocks noGrp="1"/>
+          </p:cNvSpPr>
+          <p:nvPr>
+            <p:ph type="title"/>
+          </p:nvPr>
+        </p:nvSpPr>
+        <p:spPr>
+          <a:xfrm>
+            <a:off x="521207" y="448056"/>
+            <a:ext cx="11055275" cy="640080"/>
+          </a:xfrm>
+          <a:solidFill>
+            <a:srgbClr val="D24726"/>
+          </a:solidFill>
+        </p:spPr>
+        <p:txBody>
+          <a:bodyPr/>
+          <a:lstStyle/>
+          <a:p>
+            <a:r>
+              <a:rPr lang="en-US" b="1" dirty="0">
+                <a:solidFill>
+                  <a:schemeClr val="bg1">
+                    <a:lumMod val="95000"/>
+                  </a:schemeClr>
+                </a:solidFill>
+                <a:latin typeface="Segoe UI Light" panose="020B0502040204020203" pitchFamily="34" charset="0"/>
+                <a:cs typeface="Segoe UI Light" panose="020B0502040204020203" pitchFamily="34" charset="0"/>
+              </a:rPr>
+              <a:t>Bean Lifecycle</a:t>
+            </a:r>
+          </a:p>
+        </p:txBody>
+      </p:sp>
+      <p:pic>
+        <p:nvPicPr>
+          <p:cNvPr id="1026" name="Picture 2" descr="Spring Bean Life Cycle">
+            <a:extLst>
+              <a:ext uri="{FF2B5EF4-FFF2-40B4-BE49-F238E27FC236}">
+                <a16:creationId xmlns:a16="http://schemas.microsoft.com/office/drawing/2014/main" id="{F6429513-5534-41C6-8C84-64B9A6673F16}"/>
+              </a:ext>
+            </a:extLst>
+          </p:cNvPr>
+          <p:cNvPicPr>
+            <a:picLocks noChangeAspect="1" noChangeArrowheads="1"/>
+          </p:cNvPicPr>
+          <p:nvPr/>
+        </p:nvPicPr>
+        <p:blipFill>
+          <a:blip r:embed="rId2">
+            <a:extLst>
+              <a:ext uri="{28A0092B-C50C-407E-A947-70E740481C1C}">
+                <a14:useLocalDpi xmlns:a14="http://schemas.microsoft.com/office/drawing/2010/main" val="0"/>
+              </a:ext>
+            </a:extLst>
+          </a:blip>
+          <a:srcRect/>
+          <a:stretch>
+            <a:fillRect/>
+          </a:stretch>
+        </p:blipFill>
+        <p:spPr bwMode="auto">
+          <a:xfrm>
+            <a:off x="603681" y="1254009"/>
+            <a:ext cx="7093258" cy="5058281"/>
+          </a:xfrm>
+          <a:prstGeom prst="rect">
+            <a:avLst/>
+          </a:prstGeom>
+          <a:noFill/>
+          <a:extLst>
+            <a:ext uri="{909E8E84-426E-40DD-AFC4-6F175D3DCCD1}">
+              <a14:hiddenFill xmlns:a14="http://schemas.microsoft.com/office/drawing/2010/main">
+                <a:solidFill>
+                  <a:srgbClr val="FFFFFF"/>
+                </a:solidFill>
+              </a14:hiddenFill>
+            </a:ext>
+          </a:extLst>
+        </p:spPr>
+      </p:pic>
+    </p:spTree>
+    <p:extLst>
+      <p:ext uri="{BB962C8B-B14F-4D97-AF65-F5344CB8AC3E}">
+        <p14:creationId xmlns:p14="http://schemas.microsoft.com/office/powerpoint/2010/main" val="4150820280"/>
       </p:ext>
     </p:extLst>
   </p:cSld>

--- a/Spring Framework.pptx
+++ b/Spring Framework.pptx
@@ -250,7 +250,7 @@
           <a:p>
             <a:fld id="{80680FBE-A8DF-4758-9AC4-3A9E1039168F}" type="datetimeFigureOut">
               <a:rPr lang="en-US" smtClean="0"/>
-              <a:t>1/10/2022</a:t>
+              <a:t>1/11/2022</a:t>
             </a:fld>
             <a:endParaRPr lang="en-US" dirty="0"/>
           </a:p>
@@ -5527,8 +5527,60 @@
                 <a:latin typeface="Segoe UI" panose="020B0502040204020203" pitchFamily="34" charset="0"/>
                 <a:cs typeface="Segoe UI" panose="020B0502040204020203" pitchFamily="34" charset="0"/>
               </a:rPr>
-              <a:t>By default Singleton</a:t>
-            </a:r>
+              <a:t>By default Singleton </a:t>
+            </a:r>
+            <a:r>
+              <a:rPr lang="en-US" sz="1200" b="1" dirty="0">
+                <a:solidFill>
+                  <a:prstClr val="black">
+                    <a:lumMod val="75000"/>
+                    <a:lumOff val="25000"/>
+                  </a:prstClr>
+                </a:solidFill>
+                <a:latin typeface="Segoe UI" panose="020B0502040204020203" pitchFamily="34" charset="0"/>
+                <a:cs typeface="Segoe UI" panose="020B0502040204020203" pitchFamily="34" charset="0"/>
+                <a:sym typeface="Wingdings" panose="05000000000000000000" pitchFamily="2" charset="2"/>
+              </a:rPr>
+              <a:t> here initialization by Application Context is done before </a:t>
+            </a:r>
+            <a:r>
+              <a:rPr lang="en-US" sz="1200" b="1" dirty="0" err="1">
+                <a:solidFill>
+                  <a:prstClr val="black">
+                    <a:lumMod val="75000"/>
+                    <a:lumOff val="25000"/>
+                  </a:prstClr>
+                </a:solidFill>
+                <a:latin typeface="Segoe UI" panose="020B0502040204020203" pitchFamily="34" charset="0"/>
+                <a:cs typeface="Segoe UI" panose="020B0502040204020203" pitchFamily="34" charset="0"/>
+                <a:sym typeface="Wingdings" panose="05000000000000000000" pitchFamily="2" charset="2"/>
+              </a:rPr>
+              <a:t>getBean</a:t>
+            </a:r>
+            <a:r>
+              <a:rPr lang="en-US" sz="1200" b="1" dirty="0">
+                <a:solidFill>
+                  <a:prstClr val="black">
+                    <a:lumMod val="75000"/>
+                    <a:lumOff val="25000"/>
+                  </a:prstClr>
+                </a:solidFill>
+                <a:latin typeface="Segoe UI" panose="020B0502040204020203" pitchFamily="34" charset="0"/>
+                <a:cs typeface="Segoe UI" panose="020B0502040204020203" pitchFamily="34" charset="0"/>
+                <a:sym typeface="Wingdings" panose="05000000000000000000" pitchFamily="2" charset="2"/>
+              </a:rPr>
+              <a:t>() method</a:t>
+            </a:r>
+            <a:endParaRPr lang="en-US" sz="1200" b="1" dirty="0">
+              <a:solidFill>
+                <a:prstClr val="black">
+                  <a:lumMod val="75000"/>
+                  <a:lumOff val="25000"/>
+                </a:prstClr>
+              </a:solidFill>
+              <a:latin typeface="Segoe UI" panose="020B0502040204020203" pitchFamily="34" charset="0"/>
+              <a:cs typeface="Segoe UI" panose="020B0502040204020203" pitchFamily="34" charset="0"/>
+            </a:endParaRPr>
           </a:p>
         </p:txBody>
       </p:sp>
@@ -5548,8 +5600,8 @@
         </p:nvSpPr>
         <p:spPr>
           <a:xfrm>
-            <a:off x="315483" y="3545374"/>
-            <a:ext cx="7888960" cy="353402"/>
+            <a:off x="315482" y="3545374"/>
+            <a:ext cx="11624983" cy="353402"/>
           </a:xfrm>
           <a:prstGeom prst="rect">
             <a:avLst/>
@@ -5789,6 +5841,48 @@
                 <a:cs typeface="Segoe UI" panose="020B0502040204020203" pitchFamily="34" charset="0"/>
               </a:rPr>
               <a:t>everytime</a:t>
+            </a:r>
+            <a:r>
+              <a:rPr lang="en-US" sz="1200" b="1" dirty="0">
+                <a:solidFill>
+                  <a:prstClr val="black">
+                    <a:lumMod val="75000"/>
+                    <a:lumOff val="25000"/>
+                  </a:prstClr>
+                </a:solidFill>
+                <a:latin typeface="Segoe UI" panose="020B0502040204020203" pitchFamily="34" charset="0"/>
+                <a:cs typeface="Segoe UI" panose="020B0502040204020203" pitchFamily="34" charset="0"/>
+                <a:sym typeface="Wingdings" panose="05000000000000000000" pitchFamily="2" charset="2"/>
+              </a:rPr>
+              <a:t>  here initialization by Application Context is not done. Only after </a:t>
+            </a:r>
+            <a:r>
+              <a:rPr lang="en-US" sz="1200" b="1" dirty="0" err="1">
+                <a:solidFill>
+                  <a:prstClr val="black">
+                    <a:lumMod val="75000"/>
+                    <a:lumOff val="25000"/>
+                  </a:prstClr>
+                </a:solidFill>
+                <a:latin typeface="Segoe UI" panose="020B0502040204020203" pitchFamily="34" charset="0"/>
+                <a:cs typeface="Segoe UI" panose="020B0502040204020203" pitchFamily="34" charset="0"/>
+                <a:sym typeface="Wingdings" panose="05000000000000000000" pitchFamily="2" charset="2"/>
+              </a:rPr>
+              <a:t>getBean</a:t>
+            </a:r>
+            <a:r>
+              <a:rPr lang="en-US" sz="1200" b="1" dirty="0">
+                <a:solidFill>
+                  <a:prstClr val="black">
+                    <a:lumMod val="75000"/>
+                    <a:lumOff val="25000"/>
+                  </a:prstClr>
+                </a:solidFill>
+                <a:latin typeface="Segoe UI" panose="020B0502040204020203" pitchFamily="34" charset="0"/>
+                <a:cs typeface="Segoe UI" panose="020B0502040204020203" pitchFamily="34" charset="0"/>
+                <a:sym typeface="Wingdings" panose="05000000000000000000" pitchFamily="2" charset="2"/>
+              </a:rPr>
+              <a:t>() method</a:t>
             </a:r>
             <a:endParaRPr lang="en-US" b="1" dirty="0">
               <a:solidFill>
